--- a/presentation.pptx
+++ b/presentation.pptx
@@ -195,7 +195,7 @@
           <a:p>
             <a:fld id="{1213FEF7-411A-9D48-AB8C-F039596F4CE2}" type="datetimeFigureOut">
               <a:rPr lang="en-US" smtClean="0"/>
-              <a:t>12/3/16</a:t>
+              <a:t>12/5/16</a:t>
             </a:fld>
             <a:endParaRPr lang="en-US"/>
           </a:p>
@@ -839,7 +839,7 @@
           <a:p>
             <a:fld id="{6BFECD78-3C8E-49F2-8FAB-59489D168ABB}" type="datetimeFigureOut">
               <a:rPr lang="en-US" smtClean="0"/>
-              <a:t>12/3/16</a:t>
+              <a:t>12/5/16</a:t>
             </a:fld>
             <a:endParaRPr lang="en-US"/>
           </a:p>
@@ -1009,7 +1009,7 @@
           <a:p>
             <a:fld id="{6BFECD78-3C8E-49F2-8FAB-59489D168ABB}" type="datetimeFigureOut">
               <a:rPr lang="en-US" smtClean="0"/>
-              <a:t>12/3/16</a:t>
+              <a:t>12/5/16</a:t>
             </a:fld>
             <a:endParaRPr lang="en-US"/>
           </a:p>
@@ -1189,7 +1189,7 @@
           <a:p>
             <a:fld id="{6BFECD78-3C8E-49F2-8FAB-59489D168ABB}" type="datetimeFigureOut">
               <a:rPr lang="en-US" smtClean="0"/>
-              <a:t>12/3/16</a:t>
+              <a:t>12/5/16</a:t>
             </a:fld>
             <a:endParaRPr lang="en-US"/>
           </a:p>
@@ -1359,7 +1359,7 @@
           <a:p>
             <a:fld id="{6BFECD78-3C8E-49F2-8FAB-59489D168ABB}" type="datetimeFigureOut">
               <a:rPr lang="en-US" smtClean="0"/>
-              <a:t>12/3/16</a:t>
+              <a:t>12/5/16</a:t>
             </a:fld>
             <a:endParaRPr lang="en-US"/>
           </a:p>
@@ -1605,7 +1605,7 @@
           <a:p>
             <a:fld id="{6BFECD78-3C8E-49F2-8FAB-59489D168ABB}" type="datetimeFigureOut">
               <a:rPr lang="en-US" smtClean="0"/>
-              <a:t>12/3/16</a:t>
+              <a:t>12/5/16</a:t>
             </a:fld>
             <a:endParaRPr lang="en-US"/>
           </a:p>
@@ -1893,7 +1893,7 @@
           <a:p>
             <a:fld id="{6BFECD78-3C8E-49F2-8FAB-59489D168ABB}" type="datetimeFigureOut">
               <a:rPr lang="en-US" smtClean="0"/>
-              <a:t>12/3/16</a:t>
+              <a:t>12/5/16</a:t>
             </a:fld>
             <a:endParaRPr lang="en-US"/>
           </a:p>
@@ -2315,7 +2315,7 @@
           <a:p>
             <a:fld id="{6BFECD78-3C8E-49F2-8FAB-59489D168ABB}" type="datetimeFigureOut">
               <a:rPr lang="en-US" smtClean="0"/>
-              <a:t>12/3/16</a:t>
+              <a:t>12/5/16</a:t>
             </a:fld>
             <a:endParaRPr lang="en-US"/>
           </a:p>
@@ -2433,7 +2433,7 @@
           <a:p>
             <a:fld id="{6BFECD78-3C8E-49F2-8FAB-59489D168ABB}" type="datetimeFigureOut">
               <a:rPr lang="en-US" smtClean="0"/>
-              <a:t>12/3/16</a:t>
+              <a:t>12/5/16</a:t>
             </a:fld>
             <a:endParaRPr lang="en-US"/>
           </a:p>
@@ -2528,7 +2528,7 @@
           <a:p>
             <a:fld id="{6BFECD78-3C8E-49F2-8FAB-59489D168ABB}" type="datetimeFigureOut">
               <a:rPr lang="en-US" smtClean="0"/>
-              <a:t>12/3/16</a:t>
+              <a:t>12/5/16</a:t>
             </a:fld>
             <a:endParaRPr lang="en-US"/>
           </a:p>
@@ -2805,7 +2805,7 @@
           <a:p>
             <a:fld id="{6BFECD78-3C8E-49F2-8FAB-59489D168ABB}" type="datetimeFigureOut">
               <a:rPr lang="en-US" smtClean="0"/>
-              <a:t>12/3/16</a:t>
+              <a:t>12/5/16</a:t>
             </a:fld>
             <a:endParaRPr lang="en-US"/>
           </a:p>
@@ -3058,7 +3058,7 @@
           <a:p>
             <a:fld id="{6BFECD78-3C8E-49F2-8FAB-59489D168ABB}" type="datetimeFigureOut">
               <a:rPr lang="en-US" smtClean="0"/>
-              <a:t>12/3/16</a:t>
+              <a:t>12/5/16</a:t>
             </a:fld>
             <a:endParaRPr lang="en-US"/>
           </a:p>
@@ -3271,7 +3271,7 @@
           <a:p>
             <a:fld id="{6BFECD78-3C8E-49F2-8FAB-59489D168ABB}" type="datetimeFigureOut">
               <a:rPr lang="en-US" smtClean="0"/>
-              <a:t>12/3/16</a:t>
+              <a:t>12/5/16</a:t>
             </a:fld>
             <a:endParaRPr lang="en-US"/>
           </a:p>
@@ -4755,8 +4755,23 @@
             </a:r>
             <a:r>
               <a:rPr lang="en-US" dirty="0" smtClean="0"/>
-              <a:t> feature service</a:t>
-            </a:r>
+              <a:t> feature </a:t>
+            </a:r>
+            <a:r>
+              <a:rPr lang="en-US" dirty="0" smtClean="0"/>
+              <a:t>service </a:t>
+            </a:r>
+          </a:p>
+          <a:p>
+            <a:r>
+              <a:rPr lang="en-US" dirty="0" smtClean="0"/>
+              <a:t>Make diversion points snap to </a:t>
+            </a:r>
+            <a:r>
+              <a:rPr lang="en-US" dirty="0" err="1" smtClean="0"/>
+              <a:t>flowline</a:t>
+            </a:r>
+            <a:endParaRPr lang="en-US" dirty="0" smtClean="0"/>
           </a:p>
           <a:p>
             <a:r>

--- a/presentation.pptx
+++ b/presentation.pptx
@@ -5,13 +5,14 @@
     <p:sldMasterId id="2147483648" r:id="rId1"/>
   </p:sldMasterIdLst>
   <p:notesMasterIdLst>
-    <p:notesMasterId r:id="rId6"/>
+    <p:notesMasterId r:id="rId7"/>
   </p:notesMasterIdLst>
   <p:sldIdLst>
     <p:sldId id="256" r:id="rId2"/>
     <p:sldId id="257" r:id="rId3"/>
     <p:sldId id="258" r:id="rId4"/>
-    <p:sldId id="259" r:id="rId5"/>
+    <p:sldId id="260" r:id="rId5"/>
+    <p:sldId id="259" r:id="rId6"/>
   </p:sldIdLst>
   <p:sldSz cx="9144000" cy="6858000" type="screen4x3"/>
   <p:notesSz cx="6858000" cy="9144000"/>
@@ -649,6 +650,98 @@
     <p:extLst>
       <p:ext uri="{BB962C8B-B14F-4D97-AF65-F5344CB8AC3E}">
         <p14:creationId xmlns:p14="http://schemas.microsoft.com/office/powerpoint/2010/main" val="433495118"/>
+      </p:ext>
+    </p:extLst>
+  </p:cSld>
+  <p:clrMapOvr>
+    <a:masterClrMapping/>
+  </p:clrMapOvr>
+</p:notes>
+</file>
+
+<file path=ppt/notesSlides/notesSlide2.xml><?xml version="1.0" encoding="utf-8"?>
+<p:notes xmlns:a="http://schemas.openxmlformats.org/drawingml/2006/main" xmlns:r="http://schemas.openxmlformats.org/officeDocument/2006/relationships" xmlns:p="http://schemas.openxmlformats.org/presentationml/2006/main">
+  <p:cSld>
+    <p:spTree>
+      <p:nvGrpSpPr>
+        <p:cNvPr id="1" name=""/>
+        <p:cNvGrpSpPr/>
+        <p:nvPr/>
+      </p:nvGrpSpPr>
+      <p:grpSpPr>
+        <a:xfrm>
+          <a:off x="0" y="0"/>
+          <a:ext cx="0" cy="0"/>
+          <a:chOff x="0" y="0"/>
+          <a:chExt cx="0" cy="0"/>
+        </a:xfrm>
+      </p:grpSpPr>
+      <p:sp>
+        <p:nvSpPr>
+          <p:cNvPr id="2" name="Slide Image Placeholder 1"/>
+          <p:cNvSpPr>
+            <a:spLocks noGrp="1" noRot="1" noChangeAspect="1"/>
+          </p:cNvSpPr>
+          <p:nvPr>
+            <p:ph type="sldImg"/>
+          </p:nvPr>
+        </p:nvSpPr>
+        <p:spPr/>
+      </p:sp>
+      <p:sp>
+        <p:nvSpPr>
+          <p:cNvPr id="3" name="Notes Placeholder 2"/>
+          <p:cNvSpPr>
+            <a:spLocks noGrp="1"/>
+          </p:cNvSpPr>
+          <p:nvPr>
+            <p:ph type="body" idx="1"/>
+          </p:nvPr>
+        </p:nvSpPr>
+        <p:spPr/>
+        <p:txBody>
+          <a:bodyPr/>
+          <a:lstStyle/>
+          <a:p>
+            <a:r>
+              <a:rPr lang="en-US" dirty="0" smtClean="0"/>
+              <a:t>Screen shot showing a selected</a:t>
+            </a:r>
+            <a:r>
+              <a:rPr lang="en-US" baseline="0" dirty="0" smtClean="0"/>
+              <a:t> water right diversion (purple dot) and its delineated watershed (light green polygon). Table to the right shows area of delineated watershed and the sum of all face value diversions of active appropriative rights within the delineated watershed</a:t>
+            </a:r>
+            <a:endParaRPr lang="en-US" dirty="0"/>
+          </a:p>
+        </p:txBody>
+      </p:sp>
+      <p:sp>
+        <p:nvSpPr>
+          <p:cNvPr id="4" name="Slide Number Placeholder 3"/>
+          <p:cNvSpPr>
+            <a:spLocks noGrp="1"/>
+          </p:cNvSpPr>
+          <p:nvPr>
+            <p:ph type="sldNum" sz="quarter" idx="10"/>
+          </p:nvPr>
+        </p:nvSpPr>
+        <p:spPr/>
+        <p:txBody>
+          <a:bodyPr/>
+          <a:lstStyle/>
+          <a:p>
+            <a:fld id="{1B98FAA1-B1EF-C04D-A3D7-09E8E019F050}" type="slidenum">
+              <a:rPr lang="en-US" smtClean="0"/>
+              <a:t>4</a:t>
+            </a:fld>
+            <a:endParaRPr lang="en-US"/>
+          </a:p>
+        </p:txBody>
+      </p:sp>
+    </p:spTree>
+    <p:extLst>
+      <p:ext uri="{BB962C8B-B14F-4D97-AF65-F5344CB8AC3E}">
+        <p14:creationId xmlns:p14="http://schemas.microsoft.com/office/powerpoint/2010/main" val="3649056543"/>
       </p:ext>
     </p:extLst>
   </p:cSld>
@@ -3668,7 +3761,11 @@
           <a:p>
             <a:r>
               <a:rPr lang="en-US" dirty="0" smtClean="0"/>
-              <a:t>Water Supply Report</a:t>
+              <a:t>Water Supply </a:t>
+            </a:r>
+            <a:r>
+              <a:rPr lang="en-US" dirty="0" smtClean="0"/>
+              <a:t>App</a:t>
             </a:r>
             <a:endParaRPr lang="en-US" dirty="0"/>
           </a:p>
@@ -4320,7 +4417,9 @@
           <a:lstStyle/>
           <a:p>
             <a:r>
-              <a:rPr lang="en-US" dirty="0" smtClean="0"/>
+              <a:rPr lang="en-US" dirty="0" smtClean="0">
+                <a:hlinkClick r:id="rId2" action="ppaction://hlinkfile"/>
+              </a:rPr>
               <a:t>My Water Supply Report Map</a:t>
             </a:r>
             <a:endParaRPr lang="en-US" dirty="0"/>
@@ -4381,24 +4480,6 @@
               <a:rPr lang="en-US" dirty="0" smtClean="0"/>
               <a:t>All diversions within each watershed are summed</a:t>
             </a:r>
-          </a:p>
-          <a:p>
-            <a:pPr marL="0" indent="0" algn="ctr">
-              <a:buNone/>
-            </a:pPr>
-            <a:r>
-              <a:rPr lang="en-US" dirty="0" smtClean="0">
-                <a:hlinkClick r:id="rId2" action="ppaction://hlinkfile"/>
-              </a:rPr>
-              <a:t>Kyliepace.github.io/</a:t>
-            </a:r>
-            <a:r>
-              <a:rPr lang="en-US" dirty="0" err="1" smtClean="0">
-                <a:hlinkClick r:id="rId2" action="ppaction://hlinkfile"/>
-              </a:rPr>
-              <a:t>waterChallenge</a:t>
-            </a:r>
-            <a:endParaRPr lang="en-US" dirty="0" smtClean="0"/>
           </a:p>
         </p:txBody>
       </p:sp>
@@ -4616,55 +4697,6 @@
                       </p:childTnLst>
                     </p:cTn>
                   </p:par>
-                  <p:par>
-                    <p:cTn id="19" fill="hold">
-                      <p:stCondLst>
-                        <p:cond delay="indefinite"/>
-                      </p:stCondLst>
-                      <p:childTnLst>
-                        <p:par>
-                          <p:cTn id="20" fill="hold">
-                            <p:stCondLst>
-                              <p:cond delay="0"/>
-                            </p:stCondLst>
-                            <p:childTnLst>
-                              <p:par>
-                                <p:cTn id="21" presetID="1" presetClass="entr" presetSubtype="0" fill="hold" nodeType="clickEffect">
-                                  <p:stCondLst>
-                                    <p:cond delay="0"/>
-                                  </p:stCondLst>
-                                  <p:childTnLst>
-                                    <p:set>
-                                      <p:cBhvr>
-                                        <p:cTn id="22" dur="1" fill="hold">
-                                          <p:stCondLst>
-                                            <p:cond delay="0"/>
-                                          </p:stCondLst>
-                                        </p:cTn>
-                                        <p:tgtEl>
-                                          <p:spTgt spid="3">
-                                            <p:txEl>
-                                              <p:pRg st="5" end="5"/>
-                                            </p:txEl>
-                                          </p:spTgt>
-                                        </p:tgtEl>
-                                        <p:attrNameLst>
-                                          <p:attrName>style.visibility</p:attrName>
-                                        </p:attrNameLst>
-                                      </p:cBhvr>
-                                      <p:to>
-                                        <p:strVal val="visible"/>
-                                      </p:to>
-                                    </p:set>
-                                  </p:childTnLst>
-                                </p:cTn>
-                              </p:par>
-                            </p:childTnLst>
-                          </p:cTn>
-                        </p:par>
-                      </p:childTnLst>
-                    </p:cTn>
-                  </p:par>
                 </p:childTnLst>
               </p:cTn>
               <p:prevCondLst>
@@ -4707,6 +4739,73 @@
           <a:chExt cx="0" cy="0"/>
         </a:xfrm>
       </p:grpSpPr>
+      <p:pic>
+        <p:nvPicPr>
+          <p:cNvPr id="4" name="Content Placeholder 3" descr="waterChallenge.png"/>
+          <p:cNvPicPr>
+            <a:picLocks noGrp="1" noChangeAspect="1"/>
+          </p:cNvPicPr>
+          <p:nvPr>
+            <p:ph idx="1"/>
+          </p:nvPr>
+        </p:nvPicPr>
+        <p:blipFill>
+          <a:blip r:embed="rId3">
+            <a:extLst>
+              <a:ext uri="{28A0092B-C50C-407E-A947-70E740481C1C}">
+                <a14:useLocalDpi xmlns:a14="http://schemas.microsoft.com/office/drawing/2010/main" val="0"/>
+              </a:ext>
+            </a:extLst>
+          </a:blip>
+          <a:srcRect l="722" r="722"/>
+          <a:stretch>
+            <a:fillRect/>
+          </a:stretch>
+        </p:blipFill>
+        <p:spPr>
+          <a:xfrm>
+            <a:off x="-3578172" y="-308226"/>
+            <a:ext cx="13030413" cy="7166225"/>
+          </a:xfrm>
+        </p:spPr>
+      </p:pic>
+    </p:spTree>
+    <p:extLst>
+      <p:ext uri="{BB962C8B-B14F-4D97-AF65-F5344CB8AC3E}">
+        <p14:creationId xmlns:p14="http://schemas.microsoft.com/office/powerpoint/2010/main" val="1254943232"/>
+      </p:ext>
+    </p:extLst>
+  </p:cSld>
+  <p:clrMapOvr>
+    <a:masterClrMapping/>
+  </p:clrMapOvr>
+  <p:timing>
+    <p:tnLst>
+      <p:par>
+        <p:cTn xmlns:p14="http://schemas.microsoft.com/office/powerpoint/2010/main" id="1" dur="indefinite" restart="never" nodeType="tmRoot"/>
+      </p:par>
+    </p:tnLst>
+  </p:timing>
+</p:sld>
+</file>
+
+<file path=ppt/slides/slide5.xml><?xml version="1.0" encoding="utf-8"?>
+<p:sld xmlns:a="http://schemas.openxmlformats.org/drawingml/2006/main" xmlns:r="http://schemas.openxmlformats.org/officeDocument/2006/relationships" xmlns:p="http://schemas.openxmlformats.org/presentationml/2006/main">
+  <p:cSld>
+    <p:spTree>
+      <p:nvGrpSpPr>
+        <p:cNvPr id="1" name=""/>
+        <p:cNvGrpSpPr/>
+        <p:nvPr/>
+      </p:nvGrpSpPr>
+      <p:grpSpPr>
+        <a:xfrm>
+          <a:off x="0" y="0"/>
+          <a:ext cx="0" cy="0"/>
+          <a:chOff x="0" y="0"/>
+          <a:chExt cx="0" cy="0"/>
+        </a:xfrm>
+      </p:grpSpPr>
       <p:sp>
         <p:nvSpPr>
           <p:cNvPr id="2" name="Title 1"/>
@@ -4755,11 +4854,7 @@
             </a:r>
             <a:r>
               <a:rPr lang="en-US" dirty="0" smtClean="0"/>
-              <a:t> feature </a:t>
-            </a:r>
-            <a:r>
-              <a:rPr lang="en-US" dirty="0" smtClean="0"/>
-              <a:t>service </a:t>
+              <a:t> feature service </a:t>
             </a:r>
           </a:p>
           <a:p>
@@ -4824,6 +4919,13 @@
   <p:clrMapOvr>
     <a:masterClrMapping/>
   </p:clrMapOvr>
+  <p:timing>
+    <p:tnLst>
+      <p:par>
+        <p:cTn xmlns:p14="http://schemas.microsoft.com/office/powerpoint/2010/main" id="1" dur="indefinite" restart="never" nodeType="tmRoot"/>
+      </p:par>
+    </p:tnLst>
+  </p:timing>
 </p:sld>
 </file>
 
